--- a/PPT.pptx
+++ b/PPT.pptx
@@ -10,8 +10,8 @@
   <p:sldIdLst>
     <p:sldId id="256" r:id="rId2"/>
     <p:sldId id="267" r:id="rId3"/>
-    <p:sldId id="263" r:id="rId4"/>
-    <p:sldId id="260" r:id="rId5"/>
+    <p:sldId id="260" r:id="rId4"/>
+    <p:sldId id="263" r:id="rId5"/>
     <p:sldId id="277" r:id="rId6"/>
     <p:sldId id="281" r:id="rId7"/>
     <p:sldId id="276" r:id="rId8"/>
@@ -219,7 +219,7 @@
             <a:fld id="{0CB34D0B-9159-4EF0-A847-E67157893184}" type="datetimeFigureOut">
               <a:rPr lang="en-US" smtClean="0"/>
               <a:pPr/>
-              <a:t>2/4/2018</a:t>
+              <a:t>04-Feb-18</a:t>
             </a:fld>
             <a:endParaRPr lang="en-US"/>
           </a:p>
@@ -1699,7 +1699,7 @@
             <a:fld id="{4AAD347D-5ACD-4C99-B74B-A9C85AD731AF}" type="datetimeFigureOut">
               <a:rPr lang="en-US" smtClean="0"/>
               <a:pPr/>
-              <a:t>2/4/2018</a:t>
+              <a:t>04-Feb-18</a:t>
             </a:fld>
             <a:endParaRPr lang="en-US" dirty="0"/>
           </a:p>
@@ -1939,7 +1939,7 @@
             <a:fld id="{4509A250-FF31-4206-8172-F9D3106AACB1}" type="datetimeFigureOut">
               <a:rPr lang="en-US" smtClean="0"/>
               <a:pPr/>
-              <a:t>2/4/2018</a:t>
+              <a:t>04-Feb-18</a:t>
             </a:fld>
             <a:endParaRPr lang="en-US" dirty="0"/>
           </a:p>
@@ -2121,7 +2121,7 @@
             <a:fld id="{4509A250-FF31-4206-8172-F9D3106AACB1}" type="datetimeFigureOut">
               <a:rPr lang="en-US" smtClean="0"/>
               <a:pPr/>
-              <a:t>2/4/2018</a:t>
+              <a:t>04-Feb-18</a:t>
             </a:fld>
             <a:endParaRPr lang="en-US" dirty="0"/>
           </a:p>
@@ -2293,7 +2293,7 @@
             <a:fld id="{4509A250-FF31-4206-8172-F9D3106AACB1}" type="datetimeFigureOut">
               <a:rPr lang="en-US" smtClean="0"/>
               <a:pPr/>
-              <a:t>2/4/2018</a:t>
+              <a:t>04-Feb-18</a:t>
             </a:fld>
             <a:endParaRPr lang="en-US" dirty="0"/>
           </a:p>
@@ -2571,7 +2571,7 @@
             <a:fld id="{9796027F-7875-4030-9381-8BD8C4F21935}" type="datetimeFigureOut">
               <a:rPr lang="en-US" smtClean="0"/>
               <a:pPr/>
-              <a:t>2/4/2018</a:t>
+              <a:t>04-Feb-18</a:t>
             </a:fld>
             <a:endParaRPr lang="en-US" dirty="0"/>
           </a:p>
@@ -3774,7 +3774,7 @@
             <a:fld id="{9796027F-7875-4030-9381-8BD8C4F21935}" type="datetimeFigureOut">
               <a:rPr lang="en-US" smtClean="0"/>
               <a:pPr/>
-              <a:t>2/4/2018</a:t>
+              <a:t>04-Feb-18</a:t>
             </a:fld>
             <a:endParaRPr lang="en-US" dirty="0"/>
           </a:p>
@@ -4166,7 +4166,7 @@
             <a:fld id="{9796027F-7875-4030-9381-8BD8C4F21935}" type="datetimeFigureOut">
               <a:rPr lang="en-US" smtClean="0"/>
               <a:pPr/>
-              <a:t>2/4/2018</a:t>
+              <a:t>04-Feb-18</a:t>
             </a:fld>
             <a:endParaRPr lang="en-US" dirty="0"/>
           </a:p>
@@ -4291,7 +4291,7 @@
             <a:fld id="{4509A250-FF31-4206-8172-F9D3106AACB1}" type="datetimeFigureOut">
               <a:rPr lang="en-US" smtClean="0"/>
               <a:pPr/>
-              <a:t>2/4/2018</a:t>
+              <a:t>04-Feb-18</a:t>
             </a:fld>
             <a:endParaRPr lang="en-US" dirty="0"/>
           </a:p>
@@ -4388,7 +4388,7 @@
             <a:fld id="{4509A250-FF31-4206-8172-F9D3106AACB1}" type="datetimeFigureOut">
               <a:rPr lang="en-US" smtClean="0"/>
               <a:pPr/>
-              <a:t>2/4/2018</a:t>
+              <a:t>04-Feb-18</a:t>
             </a:fld>
             <a:endParaRPr lang="en-US" dirty="0"/>
           </a:p>
@@ -5153,7 +5153,7 @@
             <a:fld id="{4509A250-FF31-4206-8172-F9D3106AACB1}" type="datetimeFigureOut">
               <a:rPr lang="en-US" smtClean="0"/>
               <a:pPr/>
-              <a:t>2/4/2018</a:t>
+              <a:t>04-Feb-18</a:t>
             </a:fld>
             <a:endParaRPr lang="en-US" dirty="0"/>
           </a:p>
@@ -5995,7 +5995,7 @@
             <a:fld id="{4509A250-FF31-4206-8172-F9D3106AACB1}" type="datetimeFigureOut">
               <a:rPr lang="en-US" smtClean="0"/>
               <a:pPr/>
-              <a:t>2/4/2018</a:t>
+              <a:t>04-Feb-18</a:t>
             </a:fld>
             <a:endParaRPr lang="en-US" dirty="0"/>
           </a:p>
@@ -6224,7 +6224,7 @@
             <a:fld id="{4AAD347D-5ACD-4C99-B74B-A9C85AD731AF}" type="datetimeFigureOut">
               <a:rPr lang="en-US" smtClean="0"/>
               <a:pPr/>
-              <a:t>2/4/2018</a:t>
+              <a:t>04-Feb-18</a:t>
             </a:fld>
             <a:endParaRPr lang="en-US" dirty="0"/>
           </a:p>
@@ -7256,6 +7256,10 @@
               <a:rPr lang="en-US" sz="4900" dirty="0"/>
               <a:t>Adviser</a:t>
             </a:r>
+            <a:r>
+              <a:rPr lang="en-US" sz="1000" dirty="0"/>
+              <a:t/>
+            </a:r>
             <a:br>
               <a:rPr lang="en-US" sz="1000" dirty="0"/>
             </a:br>
@@ -7331,6 +7335,13 @@
   <p:clrMapOvr>
     <a:masterClrMapping/>
   </p:clrMapOvr>
+  <p:timing>
+    <p:tnLst>
+      <p:par>
+        <p:cTn id="1" dur="indefinite" restart="never" nodeType="tmRoot"/>
+      </p:par>
+    </p:tnLst>
+  </p:timing>
 </p:sld>
 </file>
 
@@ -7539,6 +7550,9 @@
                     <p:cTn id="3" fill="hold">
                       <p:stCondLst>
                         <p:cond delay="indefinite"/>
+                        <p:cond evt="onBegin" delay="0">
+                          <p:tn val="2"/>
+                        </p:cond>
                       </p:stCondLst>
                       <p:childTnLst>
                         <p:par>
@@ -7548,7 +7562,7 @@
                             </p:stCondLst>
                             <p:childTnLst>
                               <p:par>
-                                <p:cTn id="5" presetID="42" presetClass="entr" presetSubtype="0" fill="hold" grpId="0" nodeType="clickEffect">
+                                <p:cTn id="5" presetID="42" presetClass="entr" presetSubtype="0" fill="hold" grpId="0" nodeType="afterEffect">
                                   <p:stCondLst>
                                     <p:cond delay="0"/>
                                   </p:stCondLst>
@@ -7631,6 +7645,96 @@
                             </p:childTnLst>
                           </p:cTn>
                         </p:par>
+                        <p:par>
+                          <p:cTn id="10" fill="hold">
+                            <p:stCondLst>
+                              <p:cond delay="1000"/>
+                            </p:stCondLst>
+                            <p:childTnLst>
+                              <p:par>
+                                <p:cTn id="11" presetID="42" presetClass="entr" presetSubtype="0" fill="hold" nodeType="afterEffect">
+                                  <p:stCondLst>
+                                    <p:cond delay="0"/>
+                                  </p:stCondLst>
+                                  <p:childTnLst>
+                                    <p:set>
+                                      <p:cBhvr>
+                                        <p:cTn id="12" dur="1" fill="hold">
+                                          <p:stCondLst>
+                                            <p:cond delay="0"/>
+                                          </p:stCondLst>
+                                        </p:cTn>
+                                        <p:tgtEl>
+                                          <p:spTgt spid="8"/>
+                                        </p:tgtEl>
+                                        <p:attrNameLst>
+                                          <p:attrName>style.visibility</p:attrName>
+                                        </p:attrNameLst>
+                                      </p:cBhvr>
+                                      <p:to>
+                                        <p:strVal val="visible"/>
+                                      </p:to>
+                                    </p:set>
+                                    <p:animEffect transition="in" filter="fade">
+                                      <p:cBhvr>
+                                        <p:cTn id="13" dur="1000"/>
+                                        <p:tgtEl>
+                                          <p:spTgt spid="8"/>
+                                        </p:tgtEl>
+                                      </p:cBhvr>
+                                    </p:animEffect>
+                                    <p:anim calcmode="lin" valueType="num">
+                                      <p:cBhvr>
+                                        <p:cTn id="14" dur="1000" fill="hold"/>
+                                        <p:tgtEl>
+                                          <p:spTgt spid="8"/>
+                                        </p:tgtEl>
+                                        <p:attrNameLst>
+                                          <p:attrName>ppt_x</p:attrName>
+                                        </p:attrNameLst>
+                                      </p:cBhvr>
+                                      <p:tavLst>
+                                        <p:tav tm="0">
+                                          <p:val>
+                                            <p:strVal val="#ppt_x"/>
+                                          </p:val>
+                                        </p:tav>
+                                        <p:tav tm="100000">
+                                          <p:val>
+                                            <p:strVal val="#ppt_x"/>
+                                          </p:val>
+                                        </p:tav>
+                                      </p:tavLst>
+                                    </p:anim>
+                                    <p:anim calcmode="lin" valueType="num">
+                                      <p:cBhvr>
+                                        <p:cTn id="15" dur="1000" fill="hold"/>
+                                        <p:tgtEl>
+                                          <p:spTgt spid="8"/>
+                                        </p:tgtEl>
+                                        <p:attrNameLst>
+                                          <p:attrName>ppt_y</p:attrName>
+                                        </p:attrNameLst>
+                                      </p:cBhvr>
+                                      <p:tavLst>
+                                        <p:tav tm="0">
+                                          <p:val>
+                                            <p:strVal val="#ppt_y+.1"/>
+                                          </p:val>
+                                        </p:tav>
+                                        <p:tav tm="100000">
+                                          <p:val>
+                                            <p:strVal val="#ppt_y"/>
+                                          </p:val>
+                                        </p:tav>
+                                      </p:tavLst>
+                                    </p:anim>
+                                  </p:childTnLst>
+                                </p:cTn>
+                              </p:par>
+                            </p:childTnLst>
+                          </p:cTn>
+                        </p:par>
                       </p:childTnLst>
                     </p:cTn>
                   </p:par>
@@ -7663,6 +7767,358 @@
 </file>
 
 <file path=ppt/slides/slide3.xml><?xml version="1.0" encoding="utf-8"?>
+<p:sld xmlns:a="http://schemas.openxmlformats.org/drawingml/2006/main" xmlns:r="http://schemas.openxmlformats.org/officeDocument/2006/relationships" xmlns:p="http://schemas.openxmlformats.org/presentationml/2006/main">
+  <p:cSld>
+    <p:spTree>
+      <p:nvGrpSpPr>
+        <p:cNvPr id="1" name=""/>
+        <p:cNvGrpSpPr/>
+        <p:nvPr/>
+      </p:nvGrpSpPr>
+      <p:grpSpPr>
+        <a:xfrm>
+          <a:off x="0" y="0"/>
+          <a:ext cx="0" cy="0"/>
+          <a:chOff x="0" y="0"/>
+          <a:chExt cx="0" cy="0"/>
+        </a:xfrm>
+      </p:grpSpPr>
+      <p:sp>
+        <p:nvSpPr>
+          <p:cNvPr id="2" name="Title 1"/>
+          <p:cNvSpPr>
+            <a:spLocks noGrp="1"/>
+          </p:cNvSpPr>
+          <p:nvPr>
+            <p:ph type="title"/>
+          </p:nvPr>
+        </p:nvSpPr>
+        <p:spPr/>
+        <p:txBody>
+          <a:bodyPr/>
+          <a:lstStyle/>
+          <a:p>
+            <a:pPr algn="ctr"/>
+            <a:r>
+              <a:rPr lang="en-US" dirty="0" smtClean="0"/>
+              <a:t>Home</a:t>
+            </a:r>
+            <a:br>
+              <a:rPr lang="en-US" dirty="0" smtClean="0"/>
+            </a:br>
+            <a:endParaRPr lang="en-US" dirty="0"/>
+          </a:p>
+        </p:txBody>
+      </p:sp>
+      <p:pic>
+        <p:nvPicPr>
+          <p:cNvPr id="8" name="Picture 7">
+            <a:extLst>
+              <a:ext uri="{FF2B5EF4-FFF2-40B4-BE49-F238E27FC236}">
+                <a16:creationId xmlns:a16="http://schemas.microsoft.com/office/drawing/2014/main" id="{4F4F41C1-AA24-40B1-A11A-BA18E5629EC1}"/>
+              </a:ext>
+            </a:extLst>
+          </p:cNvPr>
+          <p:cNvPicPr>
+            <a:picLocks noChangeAspect="1"/>
+          </p:cNvPicPr>
+          <p:nvPr/>
+        </p:nvPicPr>
+        <p:blipFill rotWithShape="1">
+          <a:blip r:embed="rId2"/>
+          <a:srcRect l="1661" r="12528" b="40988"/>
+          <a:stretch/>
+        </p:blipFill>
+        <p:spPr>
+          <a:xfrm>
+            <a:off x="1013464" y="1422556"/>
+            <a:ext cx="10654750" cy="2926343"/>
+          </a:xfrm>
+          <a:prstGeom prst="rect">
+            <a:avLst/>
+          </a:prstGeom>
+        </p:spPr>
+      </p:pic>
+      <p:sp>
+        <p:nvSpPr>
+          <p:cNvPr id="3" name="Rectangle 2"/>
+          <p:cNvSpPr/>
+          <p:nvPr/>
+        </p:nvSpPr>
+        <p:spPr>
+          <a:xfrm>
+            <a:off x="2351964" y="4989227"/>
+            <a:ext cx="8470710" cy="1015663"/>
+          </a:xfrm>
+          <a:prstGeom prst="rect">
+            <a:avLst/>
+          </a:prstGeom>
+        </p:spPr>
+        <p:txBody>
+          <a:bodyPr wrap="square">
+            <a:spAutoFit/>
+          </a:bodyPr>
+          <a:lstStyle/>
+          <a:p>
+            <a:r>
+              <a:rPr lang="en-IN" sz="3000" dirty="0"/>
+              <a:t>This </a:t>
+            </a:r>
+            <a:r>
+              <a:rPr lang="en-IN" sz="3000" dirty="0" smtClean="0"/>
+              <a:t>Front-Page </a:t>
+            </a:r>
+            <a:r>
+              <a:rPr lang="en-IN" sz="3000" dirty="0"/>
+              <a:t>shows details of your financial record like a/c balance, loans paid, fixed Deposit </a:t>
+            </a:r>
+            <a:r>
+              <a:rPr lang="en-IN" sz="3000" dirty="0" err="1"/>
+              <a:t>etc</a:t>
+            </a:r>
+            <a:endParaRPr lang="en-IN" sz="3000" dirty="0"/>
+          </a:p>
+        </p:txBody>
+      </p:sp>
+    </p:spTree>
+    <p:extLst>
+      <p:ext uri="{BB962C8B-B14F-4D97-AF65-F5344CB8AC3E}">
+        <p14:creationId xmlns:p14="http://schemas.microsoft.com/office/powerpoint/2010/main" val="2100220246"/>
+      </p:ext>
+    </p:extLst>
+  </p:cSld>
+  <p:clrMapOvr>
+    <a:masterClrMapping/>
+  </p:clrMapOvr>
+  <p:timing>
+    <p:tnLst>
+      <p:par>
+        <p:cTn id="1" dur="indefinite" restart="never" nodeType="tmRoot">
+          <p:childTnLst>
+            <p:seq concurrent="1" nextAc="seek">
+              <p:cTn id="2" dur="indefinite" nodeType="mainSeq">
+                <p:childTnLst>
+                  <p:par>
+                    <p:cTn id="3" fill="hold">
+                      <p:stCondLst>
+                        <p:cond delay="indefinite"/>
+                        <p:cond evt="onBegin" delay="0">
+                          <p:tn val="2"/>
+                        </p:cond>
+                      </p:stCondLst>
+                      <p:childTnLst>
+                        <p:par>
+                          <p:cTn id="4" fill="hold">
+                            <p:stCondLst>
+                              <p:cond delay="0"/>
+                            </p:stCondLst>
+                            <p:childTnLst>
+                              <p:par>
+                                <p:cTn id="5" presetID="42" presetClass="entr" presetSubtype="0" fill="hold" nodeType="afterEffect">
+                                  <p:stCondLst>
+                                    <p:cond delay="0"/>
+                                  </p:stCondLst>
+                                  <p:childTnLst>
+                                    <p:set>
+                                      <p:cBhvr>
+                                        <p:cTn id="6" dur="1" fill="hold">
+                                          <p:stCondLst>
+                                            <p:cond delay="0"/>
+                                          </p:stCondLst>
+                                        </p:cTn>
+                                        <p:tgtEl>
+                                          <p:spTgt spid="8"/>
+                                        </p:tgtEl>
+                                        <p:attrNameLst>
+                                          <p:attrName>style.visibility</p:attrName>
+                                        </p:attrNameLst>
+                                      </p:cBhvr>
+                                      <p:to>
+                                        <p:strVal val="visible"/>
+                                      </p:to>
+                                    </p:set>
+                                    <p:animEffect transition="in" filter="fade">
+                                      <p:cBhvr>
+                                        <p:cTn id="7" dur="1000"/>
+                                        <p:tgtEl>
+                                          <p:spTgt spid="8"/>
+                                        </p:tgtEl>
+                                      </p:cBhvr>
+                                    </p:animEffect>
+                                    <p:anim calcmode="lin" valueType="num">
+                                      <p:cBhvr>
+                                        <p:cTn id="8" dur="1000" fill="hold"/>
+                                        <p:tgtEl>
+                                          <p:spTgt spid="8"/>
+                                        </p:tgtEl>
+                                        <p:attrNameLst>
+                                          <p:attrName>ppt_x</p:attrName>
+                                        </p:attrNameLst>
+                                      </p:cBhvr>
+                                      <p:tavLst>
+                                        <p:tav tm="0">
+                                          <p:val>
+                                            <p:strVal val="#ppt_x"/>
+                                          </p:val>
+                                        </p:tav>
+                                        <p:tav tm="100000">
+                                          <p:val>
+                                            <p:strVal val="#ppt_x"/>
+                                          </p:val>
+                                        </p:tav>
+                                      </p:tavLst>
+                                    </p:anim>
+                                    <p:anim calcmode="lin" valueType="num">
+                                      <p:cBhvr>
+                                        <p:cTn id="9" dur="1000" fill="hold"/>
+                                        <p:tgtEl>
+                                          <p:spTgt spid="8"/>
+                                        </p:tgtEl>
+                                        <p:attrNameLst>
+                                          <p:attrName>ppt_y</p:attrName>
+                                        </p:attrNameLst>
+                                      </p:cBhvr>
+                                      <p:tavLst>
+                                        <p:tav tm="0">
+                                          <p:val>
+                                            <p:strVal val="#ppt_y+.1"/>
+                                          </p:val>
+                                        </p:tav>
+                                        <p:tav tm="100000">
+                                          <p:val>
+                                            <p:strVal val="#ppt_y"/>
+                                          </p:val>
+                                        </p:tav>
+                                      </p:tavLst>
+                                    </p:anim>
+                                  </p:childTnLst>
+                                </p:cTn>
+                              </p:par>
+                            </p:childTnLst>
+                          </p:cTn>
+                        </p:par>
+                        <p:par>
+                          <p:cTn id="10" fill="hold">
+                            <p:stCondLst>
+                              <p:cond delay="1000"/>
+                            </p:stCondLst>
+                            <p:childTnLst>
+                              <p:par>
+                                <p:cTn id="11" presetID="42" presetClass="entr" presetSubtype="0" fill="hold" grpId="0" nodeType="afterEffect">
+                                  <p:stCondLst>
+                                    <p:cond delay="0"/>
+                                  </p:stCondLst>
+                                  <p:childTnLst>
+                                    <p:set>
+                                      <p:cBhvr>
+                                        <p:cTn id="12" dur="1" fill="hold">
+                                          <p:stCondLst>
+                                            <p:cond delay="0"/>
+                                          </p:stCondLst>
+                                        </p:cTn>
+                                        <p:tgtEl>
+                                          <p:spTgt spid="3"/>
+                                        </p:tgtEl>
+                                        <p:attrNameLst>
+                                          <p:attrName>style.visibility</p:attrName>
+                                        </p:attrNameLst>
+                                      </p:cBhvr>
+                                      <p:to>
+                                        <p:strVal val="visible"/>
+                                      </p:to>
+                                    </p:set>
+                                    <p:animEffect transition="in" filter="fade">
+                                      <p:cBhvr>
+                                        <p:cTn id="13" dur="1000"/>
+                                        <p:tgtEl>
+                                          <p:spTgt spid="3"/>
+                                        </p:tgtEl>
+                                      </p:cBhvr>
+                                    </p:animEffect>
+                                    <p:anim calcmode="lin" valueType="num">
+                                      <p:cBhvr>
+                                        <p:cTn id="14" dur="1000" fill="hold"/>
+                                        <p:tgtEl>
+                                          <p:spTgt spid="3"/>
+                                        </p:tgtEl>
+                                        <p:attrNameLst>
+                                          <p:attrName>ppt_x</p:attrName>
+                                        </p:attrNameLst>
+                                      </p:cBhvr>
+                                      <p:tavLst>
+                                        <p:tav tm="0">
+                                          <p:val>
+                                            <p:strVal val="#ppt_x"/>
+                                          </p:val>
+                                        </p:tav>
+                                        <p:tav tm="100000">
+                                          <p:val>
+                                            <p:strVal val="#ppt_x"/>
+                                          </p:val>
+                                        </p:tav>
+                                      </p:tavLst>
+                                    </p:anim>
+                                    <p:anim calcmode="lin" valueType="num">
+                                      <p:cBhvr>
+                                        <p:cTn id="15" dur="1000" fill="hold"/>
+                                        <p:tgtEl>
+                                          <p:spTgt spid="3"/>
+                                        </p:tgtEl>
+                                        <p:attrNameLst>
+                                          <p:attrName>ppt_y</p:attrName>
+                                        </p:attrNameLst>
+                                      </p:cBhvr>
+                                      <p:tavLst>
+                                        <p:tav tm="0">
+                                          <p:val>
+                                            <p:strVal val="#ppt_y+.1"/>
+                                          </p:val>
+                                        </p:tav>
+                                        <p:tav tm="100000">
+                                          <p:val>
+                                            <p:strVal val="#ppt_y"/>
+                                          </p:val>
+                                        </p:tav>
+                                      </p:tavLst>
+                                    </p:anim>
+                                  </p:childTnLst>
+                                </p:cTn>
+                              </p:par>
+                            </p:childTnLst>
+                          </p:cTn>
+                        </p:par>
+                      </p:childTnLst>
+                    </p:cTn>
+                  </p:par>
+                </p:childTnLst>
+              </p:cTn>
+              <p:prevCondLst>
+                <p:cond evt="onPrev" delay="0">
+                  <p:tgtEl>
+                    <p:sldTgt/>
+                  </p:tgtEl>
+                </p:cond>
+              </p:prevCondLst>
+              <p:nextCondLst>
+                <p:cond evt="onNext" delay="0">
+                  <p:tgtEl>
+                    <p:sldTgt/>
+                  </p:tgtEl>
+                </p:cond>
+              </p:nextCondLst>
+            </p:seq>
+          </p:childTnLst>
+        </p:cTn>
+      </p:par>
+    </p:tnLst>
+    <p:bldLst>
+      <p:bldP spid="3" grpId="0"/>
+    </p:bldLst>
+  </p:timing>
+</p:sld>
+</file>
+
+<file path=ppt/slides/slide4.xml><?xml version="1.0" encoding="utf-8"?>
 <p:sld xmlns:a="http://schemas.openxmlformats.org/drawingml/2006/main" xmlns:r="http://schemas.openxmlformats.org/officeDocument/2006/relationships" xmlns:p="http://schemas.openxmlformats.org/presentationml/2006/main">
   <p:cSld>
     <p:spTree>
@@ -7738,8 +8194,8 @@
         </p:nvSpPr>
         <p:spPr>
           <a:xfrm>
-            <a:off x="7814938" y="0"/>
-            <a:ext cx="4377062" cy="1107996"/>
+            <a:off x="7814938" y="117480"/>
+            <a:ext cx="4377062" cy="769441"/>
           </a:xfrm>
           <a:prstGeom prst="rect">
             <a:avLst/>
@@ -7754,135 +8210,20 @@
           <a:p>
             <a:pPr algn="ctr"/>
             <a:r>
-              <a:rPr lang="en-US" sz="6600" b="1" dirty="0">
+              <a:rPr lang="en-US" sz="4400" b="1" dirty="0" smtClean="0">
                 <a:solidFill>
                   <a:srgbClr val="FAC540"/>
                 </a:solidFill>
                 <a:latin typeface="Arial" panose="020B0604020202020204" pitchFamily="34" charset="0"/>
               </a:rPr>
-              <a:t>Home</a:t>
+              <a:t>Loan Adviser</a:t>
             </a:r>
-          </a:p>
-        </p:txBody>
-      </p:sp>
-      <p:pic>
-        <p:nvPicPr>
-          <p:cNvPr id="10" name="Picture 9">
-            <a:extLst>
-              <a:ext uri="{FF2B5EF4-FFF2-40B4-BE49-F238E27FC236}">
-                <a16:creationId xmlns:a16="http://schemas.microsoft.com/office/drawing/2014/main" id="{4F4F41C1-AA24-40B1-A11A-BA18E5629EC1}"/>
-              </a:ext>
-            </a:extLst>
-          </p:cNvPr>
-          <p:cNvPicPr>
-            <a:picLocks noChangeAspect="1"/>
-          </p:cNvPicPr>
-          <p:nvPr/>
-        </p:nvPicPr>
-        <p:blipFill rotWithShape="1">
-          <a:blip r:embed="rId3"/>
-          <a:srcRect l="1661" r="12528" b="40988"/>
-          <a:stretch/>
-        </p:blipFill>
-        <p:spPr>
-          <a:xfrm>
-            <a:off x="846898" y="1327022"/>
-            <a:ext cx="10654750" cy="2926343"/>
-          </a:xfrm>
-          <a:prstGeom prst="rect">
-            <a:avLst/>
-          </a:prstGeom>
-        </p:spPr>
-      </p:pic>
-      <p:sp>
-        <p:nvSpPr>
-          <p:cNvPr id="11" name="TextBox 10">
-            <a:extLst>
-              <a:ext uri="{FF2B5EF4-FFF2-40B4-BE49-F238E27FC236}">
-                <a16:creationId xmlns:a16="http://schemas.microsoft.com/office/drawing/2014/main" id="{82E66410-89BF-4C5B-96B2-CACF5307236F}"/>
-              </a:ext>
-            </a:extLst>
-          </p:cNvPr>
-          <p:cNvSpPr txBox="1"/>
-          <p:nvPr/>
-        </p:nvSpPr>
-        <p:spPr>
-          <a:xfrm>
-            <a:off x="172277" y="4660835"/>
-            <a:ext cx="7394713" cy="1384995"/>
-          </a:xfrm>
-          <a:prstGeom prst="rect">
-            <a:avLst/>
-          </a:prstGeom>
-          <a:noFill/>
-        </p:spPr>
-        <p:txBody>
-          <a:bodyPr wrap="square" rtlCol="0">
-            <a:spAutoFit/>
-          </a:bodyPr>
-          <a:lstStyle/>
-          <a:p>
-            <a:r>
-              <a:rPr lang="en-IN" sz="2800" dirty="0">
-                <a:solidFill>
-                  <a:schemeClr val="bg1"/>
-                </a:solidFill>
-              </a:rPr>
-              <a:t>This frontpage shows details of your financial record like a/c balance, loans paid, fixed Deposit etc</a:t>
-            </a:r>
-          </a:p>
-        </p:txBody>
-      </p:sp>
-    </p:spTree>
-    <p:extLst>
-      <p:ext uri="{BB962C8B-B14F-4D97-AF65-F5344CB8AC3E}">
-        <p14:creationId xmlns:p14="http://schemas.microsoft.com/office/powerpoint/2010/main" val="4228262639"/>
-      </p:ext>
-    </p:extLst>
-  </p:cSld>
-  <p:clrMapOvr>
-    <a:masterClrMapping/>
-  </p:clrMapOvr>
-</p:sld>
-</file>
-
-<file path=ppt/slides/slide4.xml><?xml version="1.0" encoding="utf-8"?>
-<p:sld xmlns:a="http://schemas.openxmlformats.org/drawingml/2006/main" xmlns:r="http://schemas.openxmlformats.org/officeDocument/2006/relationships" xmlns:p="http://schemas.openxmlformats.org/presentationml/2006/main">
-  <p:cSld>
-    <p:spTree>
-      <p:nvGrpSpPr>
-        <p:cNvPr id="1" name=""/>
-        <p:cNvGrpSpPr/>
-        <p:nvPr/>
-      </p:nvGrpSpPr>
-      <p:grpSpPr>
-        <a:xfrm>
-          <a:off x="0" y="0"/>
-          <a:ext cx="0" cy="0"/>
-          <a:chOff x="0" y="0"/>
-          <a:chExt cx="0" cy="0"/>
-        </a:xfrm>
-      </p:grpSpPr>
-      <p:sp>
-        <p:nvSpPr>
-          <p:cNvPr id="2" name="Title 1"/>
-          <p:cNvSpPr>
-            <a:spLocks noGrp="1"/>
-          </p:cNvSpPr>
-          <p:nvPr>
-            <p:ph type="title"/>
-          </p:nvPr>
-        </p:nvSpPr>
-        <p:spPr/>
-        <p:txBody>
-          <a:bodyPr/>
-          <a:lstStyle/>
-          <a:p>
-            <a:pPr algn="ctr"/>
-            <a:r>
-              <a:rPr lang="en-US" dirty="0"/>
-              <a:t>LOAN ADVISER</a:t>
-            </a:r>
+            <a:endParaRPr lang="en-US" sz="4400" b="1" dirty="0">
+              <a:solidFill>
+                <a:srgbClr val="FAC540"/>
+              </a:solidFill>
+              <a:latin typeface="Arial" panose="020B0604020202020204" pitchFamily="34" charset="0"/>
+            </a:endParaRPr>
           </a:p>
         </p:txBody>
       </p:sp>
@@ -7901,15 +8242,15 @@
           <p:nvPr/>
         </p:nvPicPr>
         <p:blipFill>
-          <a:blip r:embed="rId2"/>
+          <a:blip r:embed="rId3"/>
           <a:stretch>
             <a:fillRect/>
           </a:stretch>
         </p:blipFill>
         <p:spPr>
           <a:xfrm>
-            <a:off x="990517" y="1288956"/>
-            <a:ext cx="6335009" cy="4629796"/>
+            <a:off x="290482" y="886921"/>
+            <a:ext cx="7200021" cy="5261970"/>
           </a:xfrm>
           <a:prstGeom prst="rect">
             <a:avLst/>
@@ -7918,7 +8259,7 @@
       </p:pic>
       <p:sp>
         <p:nvSpPr>
-          <p:cNvPr id="7" name="TextBox 6">
+          <p:cNvPr id="8" name="TextBox 7">
             <a:extLst>
               <a:ext uri="{FF2B5EF4-FFF2-40B4-BE49-F238E27FC236}">
                 <a16:creationId xmlns:a16="http://schemas.microsoft.com/office/drawing/2014/main" id="{19F62868-1AE2-418D-8A3C-0CEB6F3D8CAF}"/>
@@ -7930,7 +8271,7 @@
         </p:nvSpPr>
         <p:spPr>
           <a:xfrm>
-            <a:off x="7593496" y="1311965"/>
+            <a:off x="8214425" y="1298317"/>
             <a:ext cx="3578087" cy="3108543"/>
           </a:xfrm>
           <a:prstGeom prst="rect">
@@ -7945,21 +8286,37 @@
           <a:lstStyle/>
           <a:p>
             <a:r>
-              <a:rPr lang="en-IN" sz="2800" dirty="0"/>
+              <a:rPr lang="en-IN" sz="2800" dirty="0">
+                <a:solidFill>
+                  <a:schemeClr val="bg1"/>
+                </a:solidFill>
+              </a:rPr>
               <a:t>X-axis : Time</a:t>
             </a:r>
           </a:p>
           <a:p>
             <a:r>
-              <a:rPr lang="en-IN" sz="2800" dirty="0"/>
+              <a:rPr lang="en-IN" sz="2800" dirty="0">
+                <a:solidFill>
+                  <a:schemeClr val="bg1"/>
+                </a:solidFill>
+              </a:rPr>
               <a:t>Y-axis : Loan amount that you are eligible for according to our system.</a:t>
             </a:r>
           </a:p>
           <a:p>
-            <a:endParaRPr lang="en-IN" sz="2800" dirty="0"/>
-          </a:p>
-          <a:p>
-            <a:endParaRPr lang="en-IN" sz="2800" dirty="0"/>
+            <a:endParaRPr lang="en-IN" sz="2800" dirty="0">
+              <a:solidFill>
+                <a:schemeClr val="bg1"/>
+              </a:solidFill>
+            </a:endParaRPr>
+          </a:p>
+          <a:p>
+            <a:endParaRPr lang="en-IN" sz="2800" dirty="0">
+              <a:solidFill>
+                <a:schemeClr val="bg1"/>
+              </a:solidFill>
+            </a:endParaRPr>
           </a:p>
         </p:txBody>
       </p:sp>
@@ -7977,7 +8334,7 @@
         </p:nvSpPr>
         <p:spPr>
           <a:xfrm>
-            <a:off x="7583640" y="3797959"/>
+            <a:off x="8214425" y="4014504"/>
             <a:ext cx="4015408" cy="2677656"/>
           </a:xfrm>
           <a:prstGeom prst="rect">
@@ -7992,25 +8349,349 @@
           <a:lstStyle/>
           <a:p>
             <a:r>
-              <a:rPr lang="en-IN" sz="2800" dirty="0"/>
+              <a:rPr lang="en-IN" sz="2800" dirty="0">
+                <a:solidFill>
+                  <a:schemeClr val="bg1"/>
+                </a:solidFill>
+              </a:rPr>
               <a:t>Real time evaluation of your financial record, based on which a loan amount for which you’re eligible is displayed.</a:t>
             </a:r>
           </a:p>
           <a:p>
-            <a:endParaRPr lang="en-IN" sz="2800" dirty="0"/>
+            <a:endParaRPr lang="en-IN" sz="2800" dirty="0">
+              <a:solidFill>
+                <a:schemeClr val="bg1"/>
+              </a:solidFill>
+            </a:endParaRPr>
           </a:p>
         </p:txBody>
       </p:sp>
     </p:spTree>
     <p:extLst>
       <p:ext uri="{BB962C8B-B14F-4D97-AF65-F5344CB8AC3E}">
-        <p14:creationId xmlns:p14="http://schemas.microsoft.com/office/powerpoint/2010/main" val="2100220246"/>
+        <p14:creationId xmlns:p14="http://schemas.microsoft.com/office/powerpoint/2010/main" val="4228262639"/>
       </p:ext>
     </p:extLst>
   </p:cSld>
   <p:clrMapOvr>
     <a:masterClrMapping/>
   </p:clrMapOvr>
+  <p:timing>
+    <p:tnLst>
+      <p:par>
+        <p:cTn id="1" dur="indefinite" restart="never" nodeType="tmRoot">
+          <p:childTnLst>
+            <p:seq concurrent="1" nextAc="seek">
+              <p:cTn id="2" dur="indefinite" nodeType="mainSeq">
+                <p:childTnLst>
+                  <p:par>
+                    <p:cTn id="3" fill="hold">
+                      <p:stCondLst>
+                        <p:cond delay="indefinite"/>
+                        <p:cond evt="onBegin" delay="0">
+                          <p:tn val="2"/>
+                        </p:cond>
+                      </p:stCondLst>
+                      <p:childTnLst>
+                        <p:par>
+                          <p:cTn id="4" fill="hold">
+                            <p:stCondLst>
+                              <p:cond delay="0"/>
+                            </p:stCondLst>
+                            <p:childTnLst>
+                              <p:par>
+                                <p:cTn id="5" presetID="42" presetClass="entr" presetSubtype="0" fill="hold" nodeType="afterEffect">
+                                  <p:stCondLst>
+                                    <p:cond delay="0"/>
+                                  </p:stCondLst>
+                                  <p:childTnLst>
+                                    <p:set>
+                                      <p:cBhvr>
+                                        <p:cTn id="6" dur="1" fill="hold">
+                                          <p:stCondLst>
+                                            <p:cond delay="0"/>
+                                          </p:stCondLst>
+                                        </p:cTn>
+                                        <p:tgtEl>
+                                          <p:spTgt spid="6"/>
+                                        </p:tgtEl>
+                                        <p:attrNameLst>
+                                          <p:attrName>style.visibility</p:attrName>
+                                        </p:attrNameLst>
+                                      </p:cBhvr>
+                                      <p:to>
+                                        <p:strVal val="visible"/>
+                                      </p:to>
+                                    </p:set>
+                                    <p:animEffect transition="in" filter="fade">
+                                      <p:cBhvr>
+                                        <p:cTn id="7" dur="1000"/>
+                                        <p:tgtEl>
+                                          <p:spTgt spid="6"/>
+                                        </p:tgtEl>
+                                      </p:cBhvr>
+                                    </p:animEffect>
+                                    <p:anim calcmode="lin" valueType="num">
+                                      <p:cBhvr>
+                                        <p:cTn id="8" dur="1000" fill="hold"/>
+                                        <p:tgtEl>
+                                          <p:spTgt spid="6"/>
+                                        </p:tgtEl>
+                                        <p:attrNameLst>
+                                          <p:attrName>ppt_x</p:attrName>
+                                        </p:attrNameLst>
+                                      </p:cBhvr>
+                                      <p:tavLst>
+                                        <p:tav tm="0">
+                                          <p:val>
+                                            <p:strVal val="#ppt_x"/>
+                                          </p:val>
+                                        </p:tav>
+                                        <p:tav tm="100000">
+                                          <p:val>
+                                            <p:strVal val="#ppt_x"/>
+                                          </p:val>
+                                        </p:tav>
+                                      </p:tavLst>
+                                    </p:anim>
+                                    <p:anim calcmode="lin" valueType="num">
+                                      <p:cBhvr>
+                                        <p:cTn id="9" dur="1000" fill="hold"/>
+                                        <p:tgtEl>
+                                          <p:spTgt spid="6"/>
+                                        </p:tgtEl>
+                                        <p:attrNameLst>
+                                          <p:attrName>ppt_y</p:attrName>
+                                        </p:attrNameLst>
+                                      </p:cBhvr>
+                                      <p:tavLst>
+                                        <p:tav tm="0">
+                                          <p:val>
+                                            <p:strVal val="#ppt_y+.1"/>
+                                          </p:val>
+                                        </p:tav>
+                                        <p:tav tm="100000">
+                                          <p:val>
+                                            <p:strVal val="#ppt_y"/>
+                                          </p:val>
+                                        </p:tav>
+                                      </p:tavLst>
+                                    </p:anim>
+                                  </p:childTnLst>
+                                </p:cTn>
+                              </p:par>
+                            </p:childTnLst>
+                          </p:cTn>
+                        </p:par>
+                        <p:par>
+                          <p:cTn id="10" fill="hold">
+                            <p:stCondLst>
+                              <p:cond delay="1000"/>
+                            </p:stCondLst>
+                            <p:childTnLst>
+                              <p:par>
+                                <p:cTn id="11" presetID="42" presetClass="entr" presetSubtype="0" fill="hold" grpId="0" nodeType="afterEffect">
+                                  <p:stCondLst>
+                                    <p:cond delay="0"/>
+                                  </p:stCondLst>
+                                  <p:childTnLst>
+                                    <p:set>
+                                      <p:cBhvr>
+                                        <p:cTn id="12" dur="1" fill="hold">
+                                          <p:stCondLst>
+                                            <p:cond delay="0"/>
+                                          </p:stCondLst>
+                                        </p:cTn>
+                                        <p:tgtEl>
+                                          <p:spTgt spid="8"/>
+                                        </p:tgtEl>
+                                        <p:attrNameLst>
+                                          <p:attrName>style.visibility</p:attrName>
+                                        </p:attrNameLst>
+                                      </p:cBhvr>
+                                      <p:to>
+                                        <p:strVal val="visible"/>
+                                      </p:to>
+                                    </p:set>
+                                    <p:animEffect transition="in" filter="fade">
+                                      <p:cBhvr>
+                                        <p:cTn id="13" dur="1000"/>
+                                        <p:tgtEl>
+                                          <p:spTgt spid="8"/>
+                                        </p:tgtEl>
+                                      </p:cBhvr>
+                                    </p:animEffect>
+                                    <p:anim calcmode="lin" valueType="num">
+                                      <p:cBhvr>
+                                        <p:cTn id="14" dur="1000" fill="hold"/>
+                                        <p:tgtEl>
+                                          <p:spTgt spid="8"/>
+                                        </p:tgtEl>
+                                        <p:attrNameLst>
+                                          <p:attrName>ppt_x</p:attrName>
+                                        </p:attrNameLst>
+                                      </p:cBhvr>
+                                      <p:tavLst>
+                                        <p:tav tm="0">
+                                          <p:val>
+                                            <p:strVal val="#ppt_x"/>
+                                          </p:val>
+                                        </p:tav>
+                                        <p:tav tm="100000">
+                                          <p:val>
+                                            <p:strVal val="#ppt_x"/>
+                                          </p:val>
+                                        </p:tav>
+                                      </p:tavLst>
+                                    </p:anim>
+                                    <p:anim calcmode="lin" valueType="num">
+                                      <p:cBhvr>
+                                        <p:cTn id="15" dur="1000" fill="hold"/>
+                                        <p:tgtEl>
+                                          <p:spTgt spid="8"/>
+                                        </p:tgtEl>
+                                        <p:attrNameLst>
+                                          <p:attrName>ppt_y</p:attrName>
+                                        </p:attrNameLst>
+                                      </p:cBhvr>
+                                      <p:tavLst>
+                                        <p:tav tm="0">
+                                          <p:val>
+                                            <p:strVal val="#ppt_y+.1"/>
+                                          </p:val>
+                                        </p:tav>
+                                        <p:tav tm="100000">
+                                          <p:val>
+                                            <p:strVal val="#ppt_y"/>
+                                          </p:val>
+                                        </p:tav>
+                                      </p:tavLst>
+                                    </p:anim>
+                                  </p:childTnLst>
+                                </p:cTn>
+                              </p:par>
+                            </p:childTnLst>
+                          </p:cTn>
+                        </p:par>
+                        <p:par>
+                          <p:cTn id="16" fill="hold">
+                            <p:stCondLst>
+                              <p:cond delay="2000"/>
+                            </p:stCondLst>
+                            <p:childTnLst>
+                              <p:par>
+                                <p:cTn id="17" presetID="42" presetClass="entr" presetSubtype="0" fill="hold" grpId="0" nodeType="afterEffect">
+                                  <p:stCondLst>
+                                    <p:cond delay="0"/>
+                                  </p:stCondLst>
+                                  <p:childTnLst>
+                                    <p:set>
+                                      <p:cBhvr>
+                                        <p:cTn id="18" dur="1" fill="hold">
+                                          <p:stCondLst>
+                                            <p:cond delay="0"/>
+                                          </p:stCondLst>
+                                        </p:cTn>
+                                        <p:tgtEl>
+                                          <p:spTgt spid="9"/>
+                                        </p:tgtEl>
+                                        <p:attrNameLst>
+                                          <p:attrName>style.visibility</p:attrName>
+                                        </p:attrNameLst>
+                                      </p:cBhvr>
+                                      <p:to>
+                                        <p:strVal val="visible"/>
+                                      </p:to>
+                                    </p:set>
+                                    <p:animEffect transition="in" filter="fade">
+                                      <p:cBhvr>
+                                        <p:cTn id="19" dur="1000"/>
+                                        <p:tgtEl>
+                                          <p:spTgt spid="9"/>
+                                        </p:tgtEl>
+                                      </p:cBhvr>
+                                    </p:animEffect>
+                                    <p:anim calcmode="lin" valueType="num">
+                                      <p:cBhvr>
+                                        <p:cTn id="20" dur="1000" fill="hold"/>
+                                        <p:tgtEl>
+                                          <p:spTgt spid="9"/>
+                                        </p:tgtEl>
+                                        <p:attrNameLst>
+                                          <p:attrName>ppt_x</p:attrName>
+                                        </p:attrNameLst>
+                                      </p:cBhvr>
+                                      <p:tavLst>
+                                        <p:tav tm="0">
+                                          <p:val>
+                                            <p:strVal val="#ppt_x"/>
+                                          </p:val>
+                                        </p:tav>
+                                        <p:tav tm="100000">
+                                          <p:val>
+                                            <p:strVal val="#ppt_x"/>
+                                          </p:val>
+                                        </p:tav>
+                                      </p:tavLst>
+                                    </p:anim>
+                                    <p:anim calcmode="lin" valueType="num">
+                                      <p:cBhvr>
+                                        <p:cTn id="21" dur="1000" fill="hold"/>
+                                        <p:tgtEl>
+                                          <p:spTgt spid="9"/>
+                                        </p:tgtEl>
+                                        <p:attrNameLst>
+                                          <p:attrName>ppt_y</p:attrName>
+                                        </p:attrNameLst>
+                                      </p:cBhvr>
+                                      <p:tavLst>
+                                        <p:tav tm="0">
+                                          <p:val>
+                                            <p:strVal val="#ppt_y+.1"/>
+                                          </p:val>
+                                        </p:tav>
+                                        <p:tav tm="100000">
+                                          <p:val>
+                                            <p:strVal val="#ppt_y"/>
+                                          </p:val>
+                                        </p:tav>
+                                      </p:tavLst>
+                                    </p:anim>
+                                  </p:childTnLst>
+                                </p:cTn>
+                              </p:par>
+                            </p:childTnLst>
+                          </p:cTn>
+                        </p:par>
+                      </p:childTnLst>
+                    </p:cTn>
+                  </p:par>
+                </p:childTnLst>
+              </p:cTn>
+              <p:prevCondLst>
+                <p:cond evt="onPrev" delay="0">
+                  <p:tgtEl>
+                    <p:sldTgt/>
+                  </p:tgtEl>
+                </p:cond>
+              </p:prevCondLst>
+              <p:nextCondLst>
+                <p:cond evt="onNext" delay="0">
+                  <p:tgtEl>
+                    <p:sldTgt/>
+                  </p:tgtEl>
+                </p:cond>
+              </p:nextCondLst>
+            </p:seq>
+          </p:childTnLst>
+        </p:cTn>
+      </p:par>
+    </p:tnLst>
+    <p:bldLst>
+      <p:bldP spid="8" grpId="0"/>
+      <p:bldP spid="9" grpId="0"/>
+    </p:bldLst>
+  </p:timing>
 </p:sld>
 </file>
 
@@ -8317,6 +8998,96 @@
                             </p:childTnLst>
                           </p:cTn>
                         </p:par>
+                        <p:par>
+                          <p:cTn id="10" fill="hold">
+                            <p:stCondLst>
+                              <p:cond delay="1000"/>
+                            </p:stCondLst>
+                            <p:childTnLst>
+                              <p:par>
+                                <p:cTn id="11" presetID="42" presetClass="entr" presetSubtype="0" fill="hold" nodeType="afterEffect">
+                                  <p:stCondLst>
+                                    <p:cond delay="0"/>
+                                  </p:stCondLst>
+                                  <p:childTnLst>
+                                    <p:set>
+                                      <p:cBhvr>
+                                        <p:cTn id="12" dur="1" fill="hold">
+                                          <p:stCondLst>
+                                            <p:cond delay="0"/>
+                                          </p:stCondLst>
+                                        </p:cTn>
+                                        <p:tgtEl>
+                                          <p:spTgt spid="9"/>
+                                        </p:tgtEl>
+                                        <p:attrNameLst>
+                                          <p:attrName>style.visibility</p:attrName>
+                                        </p:attrNameLst>
+                                      </p:cBhvr>
+                                      <p:to>
+                                        <p:strVal val="visible"/>
+                                      </p:to>
+                                    </p:set>
+                                    <p:animEffect transition="in" filter="fade">
+                                      <p:cBhvr>
+                                        <p:cTn id="13" dur="1000"/>
+                                        <p:tgtEl>
+                                          <p:spTgt spid="9"/>
+                                        </p:tgtEl>
+                                      </p:cBhvr>
+                                    </p:animEffect>
+                                    <p:anim calcmode="lin" valueType="num">
+                                      <p:cBhvr>
+                                        <p:cTn id="14" dur="1000" fill="hold"/>
+                                        <p:tgtEl>
+                                          <p:spTgt spid="9"/>
+                                        </p:tgtEl>
+                                        <p:attrNameLst>
+                                          <p:attrName>ppt_x</p:attrName>
+                                        </p:attrNameLst>
+                                      </p:cBhvr>
+                                      <p:tavLst>
+                                        <p:tav tm="0">
+                                          <p:val>
+                                            <p:strVal val="#ppt_x"/>
+                                          </p:val>
+                                        </p:tav>
+                                        <p:tav tm="100000">
+                                          <p:val>
+                                            <p:strVal val="#ppt_x"/>
+                                          </p:val>
+                                        </p:tav>
+                                      </p:tavLst>
+                                    </p:anim>
+                                    <p:anim calcmode="lin" valueType="num">
+                                      <p:cBhvr>
+                                        <p:cTn id="15" dur="1000" fill="hold"/>
+                                        <p:tgtEl>
+                                          <p:spTgt spid="9"/>
+                                        </p:tgtEl>
+                                        <p:attrNameLst>
+                                          <p:attrName>ppt_y</p:attrName>
+                                        </p:attrNameLst>
+                                      </p:cBhvr>
+                                      <p:tavLst>
+                                        <p:tav tm="0">
+                                          <p:val>
+                                            <p:strVal val="#ppt_y+.1"/>
+                                          </p:val>
+                                        </p:tav>
+                                        <p:tav tm="100000">
+                                          <p:val>
+                                            <p:strVal val="#ppt_y"/>
+                                          </p:val>
+                                        </p:tav>
+                                      </p:tavLst>
+                                    </p:anim>
+                                  </p:childTnLst>
+                                </p:cTn>
+                              </p:par>
+                            </p:childTnLst>
+                          </p:cTn>
+                        </p:par>
                       </p:childTnLst>
                     </p:cTn>
                   </p:par>
@@ -8505,6 +9276,231 @@
   <p:clrMapOvr>
     <a:masterClrMapping/>
   </p:clrMapOvr>
+  <p:timing>
+    <p:tnLst>
+      <p:par>
+        <p:cTn id="1" dur="indefinite" restart="never" nodeType="tmRoot">
+          <p:childTnLst>
+            <p:seq concurrent="1" nextAc="seek">
+              <p:cTn id="2" dur="indefinite" nodeType="mainSeq">
+                <p:childTnLst>
+                  <p:par>
+                    <p:cTn id="3" fill="hold">
+                      <p:stCondLst>
+                        <p:cond delay="indefinite"/>
+                        <p:cond evt="onBegin" delay="0">
+                          <p:tn val="2"/>
+                        </p:cond>
+                      </p:stCondLst>
+                      <p:childTnLst>
+                        <p:par>
+                          <p:cTn id="4" fill="hold">
+                            <p:stCondLst>
+                              <p:cond delay="0"/>
+                            </p:stCondLst>
+                            <p:childTnLst>
+                              <p:par>
+                                <p:cTn id="5" presetID="42" presetClass="entr" presetSubtype="0" fill="hold" nodeType="afterEffect">
+                                  <p:stCondLst>
+                                    <p:cond delay="0"/>
+                                  </p:stCondLst>
+                                  <p:childTnLst>
+                                    <p:set>
+                                      <p:cBhvr>
+                                        <p:cTn id="6" dur="1" fill="hold">
+                                          <p:stCondLst>
+                                            <p:cond delay="0"/>
+                                          </p:stCondLst>
+                                        </p:cTn>
+                                        <p:tgtEl>
+                                          <p:spTgt spid="6"/>
+                                        </p:tgtEl>
+                                        <p:attrNameLst>
+                                          <p:attrName>style.visibility</p:attrName>
+                                        </p:attrNameLst>
+                                      </p:cBhvr>
+                                      <p:to>
+                                        <p:strVal val="visible"/>
+                                      </p:to>
+                                    </p:set>
+                                    <p:animEffect transition="in" filter="fade">
+                                      <p:cBhvr>
+                                        <p:cTn id="7" dur="1000"/>
+                                        <p:tgtEl>
+                                          <p:spTgt spid="6"/>
+                                        </p:tgtEl>
+                                      </p:cBhvr>
+                                    </p:animEffect>
+                                    <p:anim calcmode="lin" valueType="num">
+                                      <p:cBhvr>
+                                        <p:cTn id="8" dur="1000" fill="hold"/>
+                                        <p:tgtEl>
+                                          <p:spTgt spid="6"/>
+                                        </p:tgtEl>
+                                        <p:attrNameLst>
+                                          <p:attrName>ppt_x</p:attrName>
+                                        </p:attrNameLst>
+                                      </p:cBhvr>
+                                      <p:tavLst>
+                                        <p:tav tm="0">
+                                          <p:val>
+                                            <p:strVal val="#ppt_x"/>
+                                          </p:val>
+                                        </p:tav>
+                                        <p:tav tm="100000">
+                                          <p:val>
+                                            <p:strVal val="#ppt_x"/>
+                                          </p:val>
+                                        </p:tav>
+                                      </p:tavLst>
+                                    </p:anim>
+                                    <p:anim calcmode="lin" valueType="num">
+                                      <p:cBhvr>
+                                        <p:cTn id="9" dur="1000" fill="hold"/>
+                                        <p:tgtEl>
+                                          <p:spTgt spid="6"/>
+                                        </p:tgtEl>
+                                        <p:attrNameLst>
+                                          <p:attrName>ppt_y</p:attrName>
+                                        </p:attrNameLst>
+                                      </p:cBhvr>
+                                      <p:tavLst>
+                                        <p:tav tm="0">
+                                          <p:val>
+                                            <p:strVal val="#ppt_y+.1"/>
+                                          </p:val>
+                                        </p:tav>
+                                        <p:tav tm="100000">
+                                          <p:val>
+                                            <p:strVal val="#ppt_y"/>
+                                          </p:val>
+                                        </p:tav>
+                                      </p:tavLst>
+                                    </p:anim>
+                                  </p:childTnLst>
+                                </p:cTn>
+                              </p:par>
+                            </p:childTnLst>
+                          </p:cTn>
+                        </p:par>
+                        <p:par>
+                          <p:cTn id="10" fill="hold">
+                            <p:stCondLst>
+                              <p:cond delay="1000"/>
+                            </p:stCondLst>
+                            <p:childTnLst>
+                              <p:par>
+                                <p:cTn id="11" presetID="42" presetClass="entr" presetSubtype="0" fill="hold" grpId="0" nodeType="afterEffect">
+                                  <p:stCondLst>
+                                    <p:cond delay="0"/>
+                                  </p:stCondLst>
+                                  <p:childTnLst>
+                                    <p:set>
+                                      <p:cBhvr>
+                                        <p:cTn id="12" dur="1" fill="hold">
+                                          <p:stCondLst>
+                                            <p:cond delay="0"/>
+                                          </p:stCondLst>
+                                        </p:cTn>
+                                        <p:tgtEl>
+                                          <p:spTgt spid="7"/>
+                                        </p:tgtEl>
+                                        <p:attrNameLst>
+                                          <p:attrName>style.visibility</p:attrName>
+                                        </p:attrNameLst>
+                                      </p:cBhvr>
+                                      <p:to>
+                                        <p:strVal val="visible"/>
+                                      </p:to>
+                                    </p:set>
+                                    <p:animEffect transition="in" filter="fade">
+                                      <p:cBhvr>
+                                        <p:cTn id="13" dur="1000"/>
+                                        <p:tgtEl>
+                                          <p:spTgt spid="7"/>
+                                        </p:tgtEl>
+                                      </p:cBhvr>
+                                    </p:animEffect>
+                                    <p:anim calcmode="lin" valueType="num">
+                                      <p:cBhvr>
+                                        <p:cTn id="14" dur="1000" fill="hold"/>
+                                        <p:tgtEl>
+                                          <p:spTgt spid="7"/>
+                                        </p:tgtEl>
+                                        <p:attrNameLst>
+                                          <p:attrName>ppt_x</p:attrName>
+                                        </p:attrNameLst>
+                                      </p:cBhvr>
+                                      <p:tavLst>
+                                        <p:tav tm="0">
+                                          <p:val>
+                                            <p:strVal val="#ppt_x"/>
+                                          </p:val>
+                                        </p:tav>
+                                        <p:tav tm="100000">
+                                          <p:val>
+                                            <p:strVal val="#ppt_x"/>
+                                          </p:val>
+                                        </p:tav>
+                                      </p:tavLst>
+                                    </p:anim>
+                                    <p:anim calcmode="lin" valueType="num">
+                                      <p:cBhvr>
+                                        <p:cTn id="15" dur="1000" fill="hold"/>
+                                        <p:tgtEl>
+                                          <p:spTgt spid="7"/>
+                                        </p:tgtEl>
+                                        <p:attrNameLst>
+                                          <p:attrName>ppt_y</p:attrName>
+                                        </p:attrNameLst>
+                                      </p:cBhvr>
+                                      <p:tavLst>
+                                        <p:tav tm="0">
+                                          <p:val>
+                                            <p:strVal val="#ppt_y+.1"/>
+                                          </p:val>
+                                        </p:tav>
+                                        <p:tav tm="100000">
+                                          <p:val>
+                                            <p:strVal val="#ppt_y"/>
+                                          </p:val>
+                                        </p:tav>
+                                      </p:tavLst>
+                                    </p:anim>
+                                  </p:childTnLst>
+                                </p:cTn>
+                              </p:par>
+                            </p:childTnLst>
+                          </p:cTn>
+                        </p:par>
+                      </p:childTnLst>
+                    </p:cTn>
+                  </p:par>
+                </p:childTnLst>
+              </p:cTn>
+              <p:prevCondLst>
+                <p:cond evt="onPrev" delay="0">
+                  <p:tgtEl>
+                    <p:sldTgt/>
+                  </p:tgtEl>
+                </p:cond>
+              </p:prevCondLst>
+              <p:nextCondLst>
+                <p:cond evt="onNext" delay="0">
+                  <p:tgtEl>
+                    <p:sldTgt/>
+                  </p:tgtEl>
+                </p:cond>
+              </p:nextCondLst>
+            </p:seq>
+          </p:childTnLst>
+        </p:cTn>
+      </p:par>
+    </p:tnLst>
+    <p:bldLst>
+      <p:bldP spid="7" grpId="0"/>
+    </p:bldLst>
+  </p:timing>
 </p:sld>
 </file>
 
@@ -8686,7 +9682,7 @@
                             </p:stCondLst>
                             <p:childTnLst>
                               <p:par>
-                                <p:cTn id="5" presetID="42" presetClass="entr" presetSubtype="0" fill="hold" nodeType="withEffect">
+                                <p:cTn id="5" presetID="42" presetClass="entr" presetSubtype="0" fill="hold" nodeType="afterEffect">
                                   <p:stCondLst>
                                     <p:cond delay="0"/>
                                   </p:stCondLst>
